--- a/『最終発表用資料　各人』/ワシジ/プレゼンテーション1.pptx
+++ b/『最終発表用資料　各人』/ワシジ/プレゼンテーション1.pptx
@@ -111,7 +111,7 @@
   </p:defaultTextStyle>
   <p:extLst>
     <p:ext uri="{EFAFB233-063F-42B5-8137-9DF3F51BA10A}">
-      <p15:sldGuideLst xmlns:p15="http://schemas.microsoft.com/office/powerpoint/2012/main"/>
+      <p15:sldGuideLst xmlns:p15="http://schemas.microsoft.com/office/powerpoint/2012/main" xmlns=""/>
     </p:ext>
   </p:extLst>
 </p:presentation>
@@ -3553,7 +3553,12 @@
             <p:ph idx="1"/>
           </p:nvPr>
         </p:nvSpPr>
-        <p:spPr/>
+        <p:spPr>
+          <a:xfrm>
+            <a:off x="803695" y="1851504"/>
+            <a:ext cx="10515600" cy="4351338"/>
+          </a:xfrm>
+        </p:spPr>
         <p:txBody>
           <a:bodyPr/>
           <a:lstStyle/>
@@ -4803,7 +4808,7 @@
   <a:extraClrSchemeLst/>
   <a:extLst>
     <a:ext uri="{05A4C25C-085E-4340-85A3-A5531E510DB2}">
-      <thm15:themeFamily xmlns:thm15="http://schemas.microsoft.com/office/thememl/2012/main" name="Office Theme" id="{62F939B6-93AF-4DB8-9C6B-D6C7DFDC589F}" vid="{4A3C46E8-61CC-4603-A589-7422A47A8E4A}"/>
+      <thm15:themeFamily xmlns:thm15="http://schemas.microsoft.com/office/thememl/2012/main" xmlns="" name="Office Theme" id="{62F939B6-93AF-4DB8-9C6B-D6C7DFDC589F}" vid="{4A3C46E8-61CC-4603-A589-7422A47A8E4A}"/>
     </a:ext>
   </a:extLst>
 </a:theme>
